--- a/Python Session/Python_20_may.pptx
+++ b/Python Session/Python_20_may.pptx
@@ -7721,13 +7721,13 @@
   <p:clrMapOvr>
     <a:masterClrMapping/>
   </p:clrMapOvr>
-  <mc:AlternateContent xmlns:mc="http://schemas.openxmlformats.org/markup-compatibility/2006">
-    <mc:Choice xmlns:p14="http://schemas.microsoft.com/office/powerpoint/2010/main" Requires="p14">
+  <mc:AlternateContent xmlns:mc="http://schemas.openxmlformats.org/markup-compatibility/2006" xmlns:p14="http://schemas.microsoft.com/office/powerpoint/2010/main">
+    <mc:Choice Requires="p14">
       <p:transition spd="slow" p14:dur="3400">
         <p14:reveal/>
       </p:transition>
     </mc:Choice>
-    <mc:Fallback>
+    <mc:Fallback xmlns="">
       <p:transition spd="slow">
         <p:fade/>
       </p:transition>
@@ -7905,7 +7905,23 @@
                   <a:srgbClr val="00B050"/>
                 </a:solidFill>
               </a:rPr>
-              <a:t> = [&lt;key&gt;:&lt;value&gt; for &lt;item&gt; in &lt;</a:t>
+              <a:t> = </a:t>
+            </a:r>
+            <a:r>
+              <a:rPr lang="en-US" sz="1800" dirty="0" smtClean="0">
+                <a:solidFill>
+                  <a:srgbClr val="00B050"/>
+                </a:solidFill>
+              </a:rPr>
+              <a:t>{&lt;</a:t>
+            </a:r>
+            <a:r>
+              <a:rPr lang="en-US" sz="1800" dirty="0">
+                <a:solidFill>
+                  <a:srgbClr val="00B050"/>
+                </a:solidFill>
+              </a:rPr>
+              <a:t>key&gt;:&lt;value&gt; for &lt;item&gt; in &lt;</a:t>
             </a:r>
             <a:r>
               <a:rPr lang="en-US" sz="1800" dirty="0" err="1">
@@ -7921,7 +7937,23 @@
                   <a:srgbClr val="00B050"/>
                 </a:solidFill>
               </a:rPr>
-              <a:t>&gt; if &lt;condition&gt;]</a:t>
+              <a:t>&gt; if &lt;</a:t>
+            </a:r>
+            <a:r>
+              <a:rPr lang="en-US" sz="1800">
+                <a:solidFill>
+                  <a:srgbClr val="00B050"/>
+                </a:solidFill>
+              </a:rPr>
+              <a:t>condition</a:t>
+            </a:r>
+            <a:r>
+              <a:rPr lang="en-US" sz="1800" smtClean="0">
+                <a:solidFill>
+                  <a:srgbClr val="00B050"/>
+                </a:solidFill>
+              </a:rPr>
+              <a:t>&gt;}</a:t>
             </a:r>
             <a:endParaRPr lang="en-IN" sz="1800" b="1" dirty="0">
               <a:solidFill>
@@ -7992,13 +8024,13 @@
   <p:clrMapOvr>
     <a:masterClrMapping/>
   </p:clrMapOvr>
-  <mc:AlternateContent xmlns:mc="http://schemas.openxmlformats.org/markup-compatibility/2006">
-    <mc:Choice xmlns:p14="http://schemas.microsoft.com/office/powerpoint/2010/main" Requires="p14">
+  <mc:AlternateContent xmlns:mc="http://schemas.openxmlformats.org/markup-compatibility/2006" xmlns:p14="http://schemas.microsoft.com/office/powerpoint/2010/main">
+    <mc:Choice Requires="p14">
       <p:transition spd="slow" p14:dur="3400">
         <p14:reveal/>
       </p:transition>
     </mc:Choice>
-    <mc:Fallback>
+    <mc:Fallback xmlns="">
       <p:transition spd="slow">
         <p:fade/>
       </p:transition>
